--- a/3/Streamlit.pptx
+++ b/3/Streamlit.pptx
@@ -111,6 +111,11 @@
       </a:defRPr>
     </a:lvl9pPr>
   </p:defaultTextStyle>
+  <p:extLst>
+    <p:ext uri="{EFAFB233-063F-42B5-8137-9DF3F51BA10A}">
+      <p15:sldGuideLst xmlns:p15="http://schemas.microsoft.com/office/powerpoint/2012/main"/>
+    </p:ext>
+  </p:extLst>
 </p:presentation>
 </file>
 
@@ -7891,32 +7896,39 @@
         </p:nvSpPr>
         <p:spPr/>
         <p:txBody>
-          <a:bodyPr/>
+          <a:bodyPr>
+            <a:normAutofit/>
+          </a:bodyPr>
           <a:lstStyle/>
+          <a:p>
+            <a:r>
+              <a:rPr lang="en-US" dirty="0"/>
+              <a:t>Easy to use</a:t>
+            </a:r>
+          </a:p>
+          <a:p>
+            <a:pPr marL="0" indent="0">
+              <a:buNone/>
+            </a:pPr>
+            <a:endParaRPr lang="en-US" dirty="0"/>
+          </a:p>
+          <a:p>
+            <a:r>
+              <a:rPr lang="en-US" dirty="0"/>
+              <a:t>Focused on simplicity</a:t>
+            </a:r>
+          </a:p>
+          <a:p>
+            <a:pPr marL="0" indent="0">
+              <a:buNone/>
+            </a:pPr>
+            <a:endParaRPr lang="en-US" dirty="0"/>
+          </a:p>
           <a:p>
             <a:r>
               <a:rPr lang="en-US" dirty="0"/>
               <a:t>Very good for making websites quickly</a:t>
             </a:r>
-          </a:p>
-          <a:p>
-            <a:endParaRPr lang="en-US" dirty="0"/>
-          </a:p>
-          <a:p>
-            <a:r>
-              <a:rPr lang="en-US" dirty="0"/>
-              <a:t>Focused on simplicity</a:t>
-            </a:r>
-          </a:p>
-          <a:p>
-            <a:endParaRPr lang="en-US" dirty="0"/>
-          </a:p>
-          <a:p>
-            <a:r>
-              <a:rPr lang="en-US" dirty="0"/>
-              <a:t>Good for Data Science and Machine Learning</a:t>
-            </a:r>
-            <a:endParaRPr lang="ro-RO" dirty="0"/>
           </a:p>
         </p:txBody>
       </p:sp>
